--- a/ppt 16-9/1137.你看！今世何.pptx
+++ b/ppt 16-9/1137.你看！今世何.pptx
@@ -129,7 +129,7 @@
           <p:cNvPr id="2" name="标题 1">
             <a:extLst>
               <a:ext uri="{FF2B5EF4-FFF2-40B4-BE49-F238E27FC236}">
-                <a16:creationId xmlns:a16="http://schemas.microsoft.com/office/drawing/2014/main" id="{DADB1060-94F0-9208-2E0C-AAC46560A74A}"/>
+                <a16:creationId xmlns:a16="http://schemas.microsoft.com/office/drawing/2014/main" id="{44ECC3ED-54CE-75F0-FEFF-3391198B1AC1}"/>
               </a:ext>
             </a:extLst>
           </p:cNvPr>
@@ -166,7 +166,7 @@
           <p:cNvPr id="3" name="副标题 2">
             <a:extLst>
               <a:ext uri="{FF2B5EF4-FFF2-40B4-BE49-F238E27FC236}">
-                <a16:creationId xmlns:a16="http://schemas.microsoft.com/office/drawing/2014/main" id="{41ECF529-951C-43C0-EB39-24B512205B18}"/>
+                <a16:creationId xmlns:a16="http://schemas.microsoft.com/office/drawing/2014/main" id="{AA39B712-ECEC-AC1A-A97A-2BD9FB6CE69E}"/>
               </a:ext>
             </a:extLst>
           </p:cNvPr>
@@ -236,7 +236,7 @@
           <p:cNvPr id="4" name="日期占位符 3">
             <a:extLst>
               <a:ext uri="{FF2B5EF4-FFF2-40B4-BE49-F238E27FC236}">
-                <a16:creationId xmlns:a16="http://schemas.microsoft.com/office/drawing/2014/main" id="{067FB669-0766-3F31-DDC6-88783C611118}"/>
+                <a16:creationId xmlns:a16="http://schemas.microsoft.com/office/drawing/2014/main" id="{07913472-F3B9-B890-5EBC-54125663D876}"/>
               </a:ext>
             </a:extLst>
           </p:cNvPr>
@@ -252,7 +252,7 @@
           <a:bodyPr/>
           <a:lstStyle/>
           <a:p>
-            <a:fld id="{B9A51704-A37E-4C2F-8821-55566DA99CBF}" type="datetimeFigureOut">
+            <a:fld id="{9EF824F8-1150-4F3F-8B6D-7DE42B4B6DF8}" type="datetimeFigureOut">
               <a:rPr lang="zh-CN" altLang="en-US" smtClean="0"/>
               <a:t>2024/3/10</a:t>
             </a:fld>
@@ -265,7 +265,7 @@
           <p:cNvPr id="5" name="页脚占位符 4">
             <a:extLst>
               <a:ext uri="{FF2B5EF4-FFF2-40B4-BE49-F238E27FC236}">
-                <a16:creationId xmlns:a16="http://schemas.microsoft.com/office/drawing/2014/main" id="{CABEEC39-3611-5CCA-0151-44453735C6B8}"/>
+                <a16:creationId xmlns:a16="http://schemas.microsoft.com/office/drawing/2014/main" id="{871933B7-A71E-AABB-466E-7EBCD7E28B69}"/>
               </a:ext>
             </a:extLst>
           </p:cNvPr>
@@ -290,7 +290,7 @@
           <p:cNvPr id="6" name="灯片编号占位符 5">
             <a:extLst>
               <a:ext uri="{FF2B5EF4-FFF2-40B4-BE49-F238E27FC236}">
-                <a16:creationId xmlns:a16="http://schemas.microsoft.com/office/drawing/2014/main" id="{8F647C91-AD2C-D39A-67DD-F0293F2885B2}"/>
+                <a16:creationId xmlns:a16="http://schemas.microsoft.com/office/drawing/2014/main" id="{D720ECC2-2460-C524-B37A-95AC0899F530}"/>
               </a:ext>
             </a:extLst>
           </p:cNvPr>
@@ -306,7 +306,7 @@
           <a:bodyPr/>
           <a:lstStyle/>
           <a:p>
-            <a:fld id="{C38E8C72-5E55-4EF8-B057-DBEA1C92CDF5}" type="slidenum">
+            <a:fld id="{7682CB68-7A5E-4886-8235-7AE504C166EF}" type="slidenum">
               <a:rPr lang="zh-CN" altLang="en-US" smtClean="0"/>
               <a:t>‹#›</a:t>
             </a:fld>
@@ -317,7 +317,7 @@
     </p:spTree>
     <p:extLst>
       <p:ext uri="{BB962C8B-B14F-4D97-AF65-F5344CB8AC3E}">
-        <p14:creationId xmlns:p14="http://schemas.microsoft.com/office/powerpoint/2010/main" val="2654877170"/>
+        <p14:creationId xmlns:p14="http://schemas.microsoft.com/office/powerpoint/2010/main" val="203909904"/>
       </p:ext>
     </p:extLst>
   </p:cSld>
@@ -349,7 +349,7 @@
           <p:cNvPr id="2" name="标题 1">
             <a:extLst>
               <a:ext uri="{FF2B5EF4-FFF2-40B4-BE49-F238E27FC236}">
-                <a16:creationId xmlns:a16="http://schemas.microsoft.com/office/drawing/2014/main" id="{AA48F4CA-F58C-EF66-3F32-8B149BB2672D}"/>
+                <a16:creationId xmlns:a16="http://schemas.microsoft.com/office/drawing/2014/main" id="{414C1832-66BA-4B6B-9169-64E0C70A45FD}"/>
               </a:ext>
             </a:extLst>
           </p:cNvPr>
@@ -377,7 +377,7 @@
           <p:cNvPr id="3" name="竖排文字占位符 2">
             <a:extLst>
               <a:ext uri="{FF2B5EF4-FFF2-40B4-BE49-F238E27FC236}">
-                <a16:creationId xmlns:a16="http://schemas.microsoft.com/office/drawing/2014/main" id="{4F062C5C-8338-E007-AA62-E3F13F495068}"/>
+                <a16:creationId xmlns:a16="http://schemas.microsoft.com/office/drawing/2014/main" id="{3AA260ED-7F9D-52B3-46E3-96536C19DA60}"/>
               </a:ext>
             </a:extLst>
           </p:cNvPr>
@@ -434,7 +434,7 @@
           <p:cNvPr id="4" name="日期占位符 3">
             <a:extLst>
               <a:ext uri="{FF2B5EF4-FFF2-40B4-BE49-F238E27FC236}">
-                <a16:creationId xmlns:a16="http://schemas.microsoft.com/office/drawing/2014/main" id="{FA244126-6ED4-E456-DC8C-E5B39C84001D}"/>
+                <a16:creationId xmlns:a16="http://schemas.microsoft.com/office/drawing/2014/main" id="{10E54239-47CB-211D-ED5D-FBCB55D08E37}"/>
               </a:ext>
             </a:extLst>
           </p:cNvPr>
@@ -450,7 +450,7 @@
           <a:bodyPr/>
           <a:lstStyle/>
           <a:p>
-            <a:fld id="{B9A51704-A37E-4C2F-8821-55566DA99CBF}" type="datetimeFigureOut">
+            <a:fld id="{9EF824F8-1150-4F3F-8B6D-7DE42B4B6DF8}" type="datetimeFigureOut">
               <a:rPr lang="zh-CN" altLang="en-US" smtClean="0"/>
               <a:t>2024/3/10</a:t>
             </a:fld>
@@ -463,7 +463,7 @@
           <p:cNvPr id="5" name="页脚占位符 4">
             <a:extLst>
               <a:ext uri="{FF2B5EF4-FFF2-40B4-BE49-F238E27FC236}">
-                <a16:creationId xmlns:a16="http://schemas.microsoft.com/office/drawing/2014/main" id="{E044F17A-0E20-8812-3DAB-770E626B2ADD}"/>
+                <a16:creationId xmlns:a16="http://schemas.microsoft.com/office/drawing/2014/main" id="{520DC305-D20C-4AFF-70A6-E11C67F2CC90}"/>
               </a:ext>
             </a:extLst>
           </p:cNvPr>
@@ -488,7 +488,7 @@
           <p:cNvPr id="6" name="灯片编号占位符 5">
             <a:extLst>
               <a:ext uri="{FF2B5EF4-FFF2-40B4-BE49-F238E27FC236}">
-                <a16:creationId xmlns:a16="http://schemas.microsoft.com/office/drawing/2014/main" id="{F5E428EC-3D03-449D-A1BA-8FD84E49C654}"/>
+                <a16:creationId xmlns:a16="http://schemas.microsoft.com/office/drawing/2014/main" id="{F15FE6F5-052F-82B6-9F51-B07E443F20D4}"/>
               </a:ext>
             </a:extLst>
           </p:cNvPr>
@@ -504,7 +504,7 @@
           <a:bodyPr/>
           <a:lstStyle/>
           <a:p>
-            <a:fld id="{C38E8C72-5E55-4EF8-B057-DBEA1C92CDF5}" type="slidenum">
+            <a:fld id="{7682CB68-7A5E-4886-8235-7AE504C166EF}" type="slidenum">
               <a:rPr lang="zh-CN" altLang="en-US" smtClean="0"/>
               <a:t>‹#›</a:t>
             </a:fld>
@@ -515,7 +515,7 @@
     </p:spTree>
     <p:extLst>
       <p:ext uri="{BB962C8B-B14F-4D97-AF65-F5344CB8AC3E}">
-        <p14:creationId xmlns:p14="http://schemas.microsoft.com/office/powerpoint/2010/main" val="2928390438"/>
+        <p14:creationId xmlns:p14="http://schemas.microsoft.com/office/powerpoint/2010/main" val="2199827365"/>
       </p:ext>
     </p:extLst>
   </p:cSld>
@@ -547,7 +547,7 @@
           <p:cNvPr id="2" name="竖排标题 1">
             <a:extLst>
               <a:ext uri="{FF2B5EF4-FFF2-40B4-BE49-F238E27FC236}">
-                <a16:creationId xmlns:a16="http://schemas.microsoft.com/office/drawing/2014/main" id="{1D0EB619-E8F5-34F1-B08B-EBA9C84A7D31}"/>
+                <a16:creationId xmlns:a16="http://schemas.microsoft.com/office/drawing/2014/main" id="{135BB620-C03D-57C2-F1EB-4FFF8ACFC21B}"/>
               </a:ext>
             </a:extLst>
           </p:cNvPr>
@@ -580,7 +580,7 @@
           <p:cNvPr id="3" name="竖排文字占位符 2">
             <a:extLst>
               <a:ext uri="{FF2B5EF4-FFF2-40B4-BE49-F238E27FC236}">
-                <a16:creationId xmlns:a16="http://schemas.microsoft.com/office/drawing/2014/main" id="{4C0A52C2-42EE-64B9-2965-60A0113B9B7D}"/>
+                <a16:creationId xmlns:a16="http://schemas.microsoft.com/office/drawing/2014/main" id="{2D3D36D6-8162-2AAB-B0BE-8A23EE4861BE}"/>
               </a:ext>
             </a:extLst>
           </p:cNvPr>
@@ -642,7 +642,7 @@
           <p:cNvPr id="4" name="日期占位符 3">
             <a:extLst>
               <a:ext uri="{FF2B5EF4-FFF2-40B4-BE49-F238E27FC236}">
-                <a16:creationId xmlns:a16="http://schemas.microsoft.com/office/drawing/2014/main" id="{25225FDD-E2D9-F1A5-C49F-E8DD959DB361}"/>
+                <a16:creationId xmlns:a16="http://schemas.microsoft.com/office/drawing/2014/main" id="{009DEB60-BE5C-2CD1-0ABE-537CD0212553}"/>
               </a:ext>
             </a:extLst>
           </p:cNvPr>
@@ -658,7 +658,7 @@
           <a:bodyPr/>
           <a:lstStyle/>
           <a:p>
-            <a:fld id="{B9A51704-A37E-4C2F-8821-55566DA99CBF}" type="datetimeFigureOut">
+            <a:fld id="{9EF824F8-1150-4F3F-8B6D-7DE42B4B6DF8}" type="datetimeFigureOut">
               <a:rPr lang="zh-CN" altLang="en-US" smtClean="0"/>
               <a:t>2024/3/10</a:t>
             </a:fld>
@@ -671,7 +671,7 @@
           <p:cNvPr id="5" name="页脚占位符 4">
             <a:extLst>
               <a:ext uri="{FF2B5EF4-FFF2-40B4-BE49-F238E27FC236}">
-                <a16:creationId xmlns:a16="http://schemas.microsoft.com/office/drawing/2014/main" id="{740C1094-F9BE-033F-FD68-DF9D6E438F94}"/>
+                <a16:creationId xmlns:a16="http://schemas.microsoft.com/office/drawing/2014/main" id="{EFD6170C-F351-5E48-7CEE-7EFF07570F3E}"/>
               </a:ext>
             </a:extLst>
           </p:cNvPr>
@@ -696,7 +696,7 @@
           <p:cNvPr id="6" name="灯片编号占位符 5">
             <a:extLst>
               <a:ext uri="{FF2B5EF4-FFF2-40B4-BE49-F238E27FC236}">
-                <a16:creationId xmlns:a16="http://schemas.microsoft.com/office/drawing/2014/main" id="{915CD39C-2501-58FF-B222-D766D7EBCE93}"/>
+                <a16:creationId xmlns:a16="http://schemas.microsoft.com/office/drawing/2014/main" id="{417A1EEC-9C4C-6BF8-F67A-43C1102D5703}"/>
               </a:ext>
             </a:extLst>
           </p:cNvPr>
@@ -712,7 +712,7 @@
           <a:bodyPr/>
           <a:lstStyle/>
           <a:p>
-            <a:fld id="{C38E8C72-5E55-4EF8-B057-DBEA1C92CDF5}" type="slidenum">
+            <a:fld id="{7682CB68-7A5E-4886-8235-7AE504C166EF}" type="slidenum">
               <a:rPr lang="zh-CN" altLang="en-US" smtClean="0"/>
               <a:t>‹#›</a:t>
             </a:fld>
@@ -723,7 +723,7 @@
     </p:spTree>
     <p:extLst>
       <p:ext uri="{BB962C8B-B14F-4D97-AF65-F5344CB8AC3E}">
-        <p14:creationId xmlns:p14="http://schemas.microsoft.com/office/powerpoint/2010/main" val="1769551630"/>
+        <p14:creationId xmlns:p14="http://schemas.microsoft.com/office/powerpoint/2010/main" val="3268629683"/>
       </p:ext>
     </p:extLst>
   </p:cSld>
@@ -755,7 +755,7 @@
           <p:cNvPr id="2" name="标题 1">
             <a:extLst>
               <a:ext uri="{FF2B5EF4-FFF2-40B4-BE49-F238E27FC236}">
-                <a16:creationId xmlns:a16="http://schemas.microsoft.com/office/drawing/2014/main" id="{ECF06AD4-DFF1-83B0-E6EE-8F2E1E31C990}"/>
+                <a16:creationId xmlns:a16="http://schemas.microsoft.com/office/drawing/2014/main" id="{BE7D3D14-6E76-8BFA-848A-8D4DE46CF0AB}"/>
               </a:ext>
             </a:extLst>
           </p:cNvPr>
@@ -783,7 +783,7 @@
           <p:cNvPr id="3" name="内容占位符 2">
             <a:extLst>
               <a:ext uri="{FF2B5EF4-FFF2-40B4-BE49-F238E27FC236}">
-                <a16:creationId xmlns:a16="http://schemas.microsoft.com/office/drawing/2014/main" id="{4BB02300-F107-3898-646F-A1D737C375CF}"/>
+                <a16:creationId xmlns:a16="http://schemas.microsoft.com/office/drawing/2014/main" id="{EE6C8F12-C2E4-4316-9ED1-93913E4C644F}"/>
               </a:ext>
             </a:extLst>
           </p:cNvPr>
@@ -840,7 +840,7 @@
           <p:cNvPr id="4" name="日期占位符 3">
             <a:extLst>
               <a:ext uri="{FF2B5EF4-FFF2-40B4-BE49-F238E27FC236}">
-                <a16:creationId xmlns:a16="http://schemas.microsoft.com/office/drawing/2014/main" id="{83D84666-AF53-88A4-C940-E098784752B8}"/>
+                <a16:creationId xmlns:a16="http://schemas.microsoft.com/office/drawing/2014/main" id="{D51ADB1C-7ECD-3B76-0DB1-52C3644C0EDD}"/>
               </a:ext>
             </a:extLst>
           </p:cNvPr>
@@ -856,7 +856,7 @@
           <a:bodyPr/>
           <a:lstStyle/>
           <a:p>
-            <a:fld id="{B9A51704-A37E-4C2F-8821-55566DA99CBF}" type="datetimeFigureOut">
+            <a:fld id="{9EF824F8-1150-4F3F-8B6D-7DE42B4B6DF8}" type="datetimeFigureOut">
               <a:rPr lang="zh-CN" altLang="en-US" smtClean="0"/>
               <a:t>2024/3/10</a:t>
             </a:fld>
@@ -869,7 +869,7 @@
           <p:cNvPr id="5" name="页脚占位符 4">
             <a:extLst>
               <a:ext uri="{FF2B5EF4-FFF2-40B4-BE49-F238E27FC236}">
-                <a16:creationId xmlns:a16="http://schemas.microsoft.com/office/drawing/2014/main" id="{C325F44D-3FEE-2EDD-4B9D-94561D1DCE74}"/>
+                <a16:creationId xmlns:a16="http://schemas.microsoft.com/office/drawing/2014/main" id="{E8EE5778-842F-E7D4-1147-C1208CBEFD78}"/>
               </a:ext>
             </a:extLst>
           </p:cNvPr>
@@ -894,7 +894,7 @@
           <p:cNvPr id="6" name="灯片编号占位符 5">
             <a:extLst>
               <a:ext uri="{FF2B5EF4-FFF2-40B4-BE49-F238E27FC236}">
-                <a16:creationId xmlns:a16="http://schemas.microsoft.com/office/drawing/2014/main" id="{E048B4C8-21E6-F598-1AB7-D5819F94F8AB}"/>
+                <a16:creationId xmlns:a16="http://schemas.microsoft.com/office/drawing/2014/main" id="{3F75F977-DDC3-54C0-7C73-62319D556029}"/>
               </a:ext>
             </a:extLst>
           </p:cNvPr>
@@ -910,7 +910,7 @@
           <a:bodyPr/>
           <a:lstStyle/>
           <a:p>
-            <a:fld id="{C38E8C72-5E55-4EF8-B057-DBEA1C92CDF5}" type="slidenum">
+            <a:fld id="{7682CB68-7A5E-4886-8235-7AE504C166EF}" type="slidenum">
               <a:rPr lang="zh-CN" altLang="en-US" smtClean="0"/>
               <a:t>‹#›</a:t>
             </a:fld>
@@ -921,7 +921,7 @@
     </p:spTree>
     <p:extLst>
       <p:ext uri="{BB962C8B-B14F-4D97-AF65-F5344CB8AC3E}">
-        <p14:creationId xmlns:p14="http://schemas.microsoft.com/office/powerpoint/2010/main" val="2488278955"/>
+        <p14:creationId xmlns:p14="http://schemas.microsoft.com/office/powerpoint/2010/main" val="4074861004"/>
       </p:ext>
     </p:extLst>
   </p:cSld>
@@ -953,7 +953,7 @@
           <p:cNvPr id="2" name="标题 1">
             <a:extLst>
               <a:ext uri="{FF2B5EF4-FFF2-40B4-BE49-F238E27FC236}">
-                <a16:creationId xmlns:a16="http://schemas.microsoft.com/office/drawing/2014/main" id="{CB9FEFBF-1A95-6CC6-D3ED-C0F14FB6477D}"/>
+                <a16:creationId xmlns:a16="http://schemas.microsoft.com/office/drawing/2014/main" id="{F3078A74-AE73-B25E-F4BC-CD355EC9482C}"/>
               </a:ext>
             </a:extLst>
           </p:cNvPr>
@@ -990,7 +990,7 @@
           <p:cNvPr id="3" name="文本占位符 2">
             <a:extLst>
               <a:ext uri="{FF2B5EF4-FFF2-40B4-BE49-F238E27FC236}">
-                <a16:creationId xmlns:a16="http://schemas.microsoft.com/office/drawing/2014/main" id="{085B2335-EA84-DCB0-6708-C3A1F0AF51C7}"/>
+                <a16:creationId xmlns:a16="http://schemas.microsoft.com/office/drawing/2014/main" id="{2ACEA0A0-17EC-BE0F-A4E3-409D5ED22436}"/>
               </a:ext>
             </a:extLst>
           </p:cNvPr>
@@ -1115,7 +1115,7 @@
           <p:cNvPr id="4" name="日期占位符 3">
             <a:extLst>
               <a:ext uri="{FF2B5EF4-FFF2-40B4-BE49-F238E27FC236}">
-                <a16:creationId xmlns:a16="http://schemas.microsoft.com/office/drawing/2014/main" id="{A539B9E3-2AEC-C019-3534-07911BDC3D4F}"/>
+                <a16:creationId xmlns:a16="http://schemas.microsoft.com/office/drawing/2014/main" id="{730AEEB5-8426-78F2-9802-812BFCD52AC6}"/>
               </a:ext>
             </a:extLst>
           </p:cNvPr>
@@ -1131,7 +1131,7 @@
           <a:bodyPr/>
           <a:lstStyle/>
           <a:p>
-            <a:fld id="{B9A51704-A37E-4C2F-8821-55566DA99CBF}" type="datetimeFigureOut">
+            <a:fld id="{9EF824F8-1150-4F3F-8B6D-7DE42B4B6DF8}" type="datetimeFigureOut">
               <a:rPr lang="zh-CN" altLang="en-US" smtClean="0"/>
               <a:t>2024/3/10</a:t>
             </a:fld>
@@ -1144,7 +1144,7 @@
           <p:cNvPr id="5" name="页脚占位符 4">
             <a:extLst>
               <a:ext uri="{FF2B5EF4-FFF2-40B4-BE49-F238E27FC236}">
-                <a16:creationId xmlns:a16="http://schemas.microsoft.com/office/drawing/2014/main" id="{A6D827FA-22A0-B2CC-FA0C-3563DC969BEE}"/>
+                <a16:creationId xmlns:a16="http://schemas.microsoft.com/office/drawing/2014/main" id="{F7A8B426-8DCD-91CD-28FF-B24EAE1E4B6C}"/>
               </a:ext>
             </a:extLst>
           </p:cNvPr>
@@ -1169,7 +1169,7 @@
           <p:cNvPr id="6" name="灯片编号占位符 5">
             <a:extLst>
               <a:ext uri="{FF2B5EF4-FFF2-40B4-BE49-F238E27FC236}">
-                <a16:creationId xmlns:a16="http://schemas.microsoft.com/office/drawing/2014/main" id="{00A36EC2-353D-6D4F-0522-28C20266A68F}"/>
+                <a16:creationId xmlns:a16="http://schemas.microsoft.com/office/drawing/2014/main" id="{3E7C58D0-4ED1-6960-1479-424398447818}"/>
               </a:ext>
             </a:extLst>
           </p:cNvPr>
@@ -1185,7 +1185,7 @@
           <a:bodyPr/>
           <a:lstStyle/>
           <a:p>
-            <a:fld id="{C38E8C72-5E55-4EF8-B057-DBEA1C92CDF5}" type="slidenum">
+            <a:fld id="{7682CB68-7A5E-4886-8235-7AE504C166EF}" type="slidenum">
               <a:rPr lang="zh-CN" altLang="en-US" smtClean="0"/>
               <a:t>‹#›</a:t>
             </a:fld>
@@ -1196,7 +1196,7 @@
     </p:spTree>
     <p:extLst>
       <p:ext uri="{BB962C8B-B14F-4D97-AF65-F5344CB8AC3E}">
-        <p14:creationId xmlns:p14="http://schemas.microsoft.com/office/powerpoint/2010/main" val="3841062628"/>
+        <p14:creationId xmlns:p14="http://schemas.microsoft.com/office/powerpoint/2010/main" val="4058780621"/>
       </p:ext>
     </p:extLst>
   </p:cSld>
@@ -1228,7 +1228,7 @@
           <p:cNvPr id="2" name="标题 1">
             <a:extLst>
               <a:ext uri="{FF2B5EF4-FFF2-40B4-BE49-F238E27FC236}">
-                <a16:creationId xmlns:a16="http://schemas.microsoft.com/office/drawing/2014/main" id="{410B2ED3-CBAB-F46A-2561-50E0EFC69FD3}"/>
+                <a16:creationId xmlns:a16="http://schemas.microsoft.com/office/drawing/2014/main" id="{11DB40AB-24EA-1411-71E9-5B90B5826A1E}"/>
               </a:ext>
             </a:extLst>
           </p:cNvPr>
@@ -1256,7 +1256,7 @@
           <p:cNvPr id="3" name="内容占位符 2">
             <a:extLst>
               <a:ext uri="{FF2B5EF4-FFF2-40B4-BE49-F238E27FC236}">
-                <a16:creationId xmlns:a16="http://schemas.microsoft.com/office/drawing/2014/main" id="{FBD524AA-76FF-9387-FF8E-01E0665AB061}"/>
+                <a16:creationId xmlns:a16="http://schemas.microsoft.com/office/drawing/2014/main" id="{4B00E99E-0B20-E89B-4F75-1B1C55CE8BAC}"/>
               </a:ext>
             </a:extLst>
           </p:cNvPr>
@@ -1318,7 +1318,7 @@
           <p:cNvPr id="4" name="内容占位符 3">
             <a:extLst>
               <a:ext uri="{FF2B5EF4-FFF2-40B4-BE49-F238E27FC236}">
-                <a16:creationId xmlns:a16="http://schemas.microsoft.com/office/drawing/2014/main" id="{B974B3CA-15DC-B4D6-988D-5DB4578B1284}"/>
+                <a16:creationId xmlns:a16="http://schemas.microsoft.com/office/drawing/2014/main" id="{1D22CE18-E4D0-1787-82EF-580DBE37C50B}"/>
               </a:ext>
             </a:extLst>
           </p:cNvPr>
@@ -1380,7 +1380,7 @@
           <p:cNvPr id="5" name="日期占位符 4">
             <a:extLst>
               <a:ext uri="{FF2B5EF4-FFF2-40B4-BE49-F238E27FC236}">
-                <a16:creationId xmlns:a16="http://schemas.microsoft.com/office/drawing/2014/main" id="{BA6FD873-759F-E965-DAF0-99B970593107}"/>
+                <a16:creationId xmlns:a16="http://schemas.microsoft.com/office/drawing/2014/main" id="{AA8BB611-EB37-74C7-55BD-777EB7E8ECE5}"/>
               </a:ext>
             </a:extLst>
           </p:cNvPr>
@@ -1396,7 +1396,7 @@
           <a:bodyPr/>
           <a:lstStyle/>
           <a:p>
-            <a:fld id="{B9A51704-A37E-4C2F-8821-55566DA99CBF}" type="datetimeFigureOut">
+            <a:fld id="{9EF824F8-1150-4F3F-8B6D-7DE42B4B6DF8}" type="datetimeFigureOut">
               <a:rPr lang="zh-CN" altLang="en-US" smtClean="0"/>
               <a:t>2024/3/10</a:t>
             </a:fld>
@@ -1409,7 +1409,7 @@
           <p:cNvPr id="6" name="页脚占位符 5">
             <a:extLst>
               <a:ext uri="{FF2B5EF4-FFF2-40B4-BE49-F238E27FC236}">
-                <a16:creationId xmlns:a16="http://schemas.microsoft.com/office/drawing/2014/main" id="{7244A217-A0FB-EA99-097D-B065542CC6A3}"/>
+                <a16:creationId xmlns:a16="http://schemas.microsoft.com/office/drawing/2014/main" id="{D135BFA1-AF67-49A4-56B4-232892F1F4C3}"/>
               </a:ext>
             </a:extLst>
           </p:cNvPr>
@@ -1434,7 +1434,7 @@
           <p:cNvPr id="7" name="灯片编号占位符 6">
             <a:extLst>
               <a:ext uri="{FF2B5EF4-FFF2-40B4-BE49-F238E27FC236}">
-                <a16:creationId xmlns:a16="http://schemas.microsoft.com/office/drawing/2014/main" id="{F2E945AA-E65C-EF3B-4961-78F6A28E4F25}"/>
+                <a16:creationId xmlns:a16="http://schemas.microsoft.com/office/drawing/2014/main" id="{F4462E16-23E9-D566-A3B3-97D587EE8940}"/>
               </a:ext>
             </a:extLst>
           </p:cNvPr>
@@ -1450,7 +1450,7 @@
           <a:bodyPr/>
           <a:lstStyle/>
           <a:p>
-            <a:fld id="{C38E8C72-5E55-4EF8-B057-DBEA1C92CDF5}" type="slidenum">
+            <a:fld id="{7682CB68-7A5E-4886-8235-7AE504C166EF}" type="slidenum">
               <a:rPr lang="zh-CN" altLang="en-US" smtClean="0"/>
               <a:t>‹#›</a:t>
             </a:fld>
@@ -1461,7 +1461,7 @@
     </p:spTree>
     <p:extLst>
       <p:ext uri="{BB962C8B-B14F-4D97-AF65-F5344CB8AC3E}">
-        <p14:creationId xmlns:p14="http://schemas.microsoft.com/office/powerpoint/2010/main" val="2698012931"/>
+        <p14:creationId xmlns:p14="http://schemas.microsoft.com/office/powerpoint/2010/main" val="386838783"/>
       </p:ext>
     </p:extLst>
   </p:cSld>
@@ -1493,7 +1493,7 @@
           <p:cNvPr id="2" name="标题 1">
             <a:extLst>
               <a:ext uri="{FF2B5EF4-FFF2-40B4-BE49-F238E27FC236}">
-                <a16:creationId xmlns:a16="http://schemas.microsoft.com/office/drawing/2014/main" id="{CBC22C9D-66D8-7C27-5B74-BAD40A21EEC9}"/>
+                <a16:creationId xmlns:a16="http://schemas.microsoft.com/office/drawing/2014/main" id="{3D0D59F8-1BBC-B496-638E-AD205F4B4421}"/>
               </a:ext>
             </a:extLst>
           </p:cNvPr>
@@ -1526,7 +1526,7 @@
           <p:cNvPr id="3" name="文本占位符 2">
             <a:extLst>
               <a:ext uri="{FF2B5EF4-FFF2-40B4-BE49-F238E27FC236}">
-                <a16:creationId xmlns:a16="http://schemas.microsoft.com/office/drawing/2014/main" id="{EE982D0B-7477-6404-7F15-9D20348E0EFD}"/>
+                <a16:creationId xmlns:a16="http://schemas.microsoft.com/office/drawing/2014/main" id="{F76BFAA1-43B4-59A0-5372-EEB69D83886C}"/>
               </a:ext>
             </a:extLst>
           </p:cNvPr>
@@ -1597,7 +1597,7 @@
           <p:cNvPr id="4" name="内容占位符 3">
             <a:extLst>
               <a:ext uri="{FF2B5EF4-FFF2-40B4-BE49-F238E27FC236}">
-                <a16:creationId xmlns:a16="http://schemas.microsoft.com/office/drawing/2014/main" id="{7F567C43-CE87-5AF6-099A-01B5D083F3CA}"/>
+                <a16:creationId xmlns:a16="http://schemas.microsoft.com/office/drawing/2014/main" id="{BCC78652-450E-25CB-EAFB-0601668AE79B}"/>
               </a:ext>
             </a:extLst>
           </p:cNvPr>
@@ -1659,7 +1659,7 @@
           <p:cNvPr id="5" name="文本占位符 4">
             <a:extLst>
               <a:ext uri="{FF2B5EF4-FFF2-40B4-BE49-F238E27FC236}">
-                <a16:creationId xmlns:a16="http://schemas.microsoft.com/office/drawing/2014/main" id="{6EEC625B-6858-6600-6166-1FAFBF5E8229}"/>
+                <a16:creationId xmlns:a16="http://schemas.microsoft.com/office/drawing/2014/main" id="{E01944EB-CCDE-998F-CCE7-72958751A93E}"/>
               </a:ext>
             </a:extLst>
           </p:cNvPr>
@@ -1730,7 +1730,7 @@
           <p:cNvPr id="6" name="内容占位符 5">
             <a:extLst>
               <a:ext uri="{FF2B5EF4-FFF2-40B4-BE49-F238E27FC236}">
-                <a16:creationId xmlns:a16="http://schemas.microsoft.com/office/drawing/2014/main" id="{E4F7A74D-72BC-10E8-71DF-E7C5A7733E6A}"/>
+                <a16:creationId xmlns:a16="http://schemas.microsoft.com/office/drawing/2014/main" id="{57844C10-DD95-8FDE-B328-D3B836964716}"/>
               </a:ext>
             </a:extLst>
           </p:cNvPr>
@@ -1792,7 +1792,7 @@
           <p:cNvPr id="7" name="日期占位符 6">
             <a:extLst>
               <a:ext uri="{FF2B5EF4-FFF2-40B4-BE49-F238E27FC236}">
-                <a16:creationId xmlns:a16="http://schemas.microsoft.com/office/drawing/2014/main" id="{2C996E40-DC13-CD1D-022D-1E38A506BD30}"/>
+                <a16:creationId xmlns:a16="http://schemas.microsoft.com/office/drawing/2014/main" id="{EDED442F-B5E3-91E8-EF04-25600DE52783}"/>
               </a:ext>
             </a:extLst>
           </p:cNvPr>
@@ -1808,7 +1808,7 @@
           <a:bodyPr/>
           <a:lstStyle/>
           <a:p>
-            <a:fld id="{B9A51704-A37E-4C2F-8821-55566DA99CBF}" type="datetimeFigureOut">
+            <a:fld id="{9EF824F8-1150-4F3F-8B6D-7DE42B4B6DF8}" type="datetimeFigureOut">
               <a:rPr lang="zh-CN" altLang="en-US" smtClean="0"/>
               <a:t>2024/3/10</a:t>
             </a:fld>
@@ -1821,7 +1821,7 @@
           <p:cNvPr id="8" name="页脚占位符 7">
             <a:extLst>
               <a:ext uri="{FF2B5EF4-FFF2-40B4-BE49-F238E27FC236}">
-                <a16:creationId xmlns:a16="http://schemas.microsoft.com/office/drawing/2014/main" id="{B8B79B83-1A94-7DCB-1C0E-AEA362240E3B}"/>
+                <a16:creationId xmlns:a16="http://schemas.microsoft.com/office/drawing/2014/main" id="{2F2C8F56-27B1-5738-E21D-565FC08E08F2}"/>
               </a:ext>
             </a:extLst>
           </p:cNvPr>
@@ -1846,7 +1846,7 @@
           <p:cNvPr id="9" name="灯片编号占位符 8">
             <a:extLst>
               <a:ext uri="{FF2B5EF4-FFF2-40B4-BE49-F238E27FC236}">
-                <a16:creationId xmlns:a16="http://schemas.microsoft.com/office/drawing/2014/main" id="{A26F1831-5F68-A65F-429C-853C592EA0B0}"/>
+                <a16:creationId xmlns:a16="http://schemas.microsoft.com/office/drawing/2014/main" id="{FCF88552-48D4-B268-1ADA-A046E961F6DA}"/>
               </a:ext>
             </a:extLst>
           </p:cNvPr>
@@ -1862,7 +1862,7 @@
           <a:bodyPr/>
           <a:lstStyle/>
           <a:p>
-            <a:fld id="{C38E8C72-5E55-4EF8-B057-DBEA1C92CDF5}" type="slidenum">
+            <a:fld id="{7682CB68-7A5E-4886-8235-7AE504C166EF}" type="slidenum">
               <a:rPr lang="zh-CN" altLang="en-US" smtClean="0"/>
               <a:t>‹#›</a:t>
             </a:fld>
@@ -1873,7 +1873,7 @@
     </p:spTree>
     <p:extLst>
       <p:ext uri="{BB962C8B-B14F-4D97-AF65-F5344CB8AC3E}">
-        <p14:creationId xmlns:p14="http://schemas.microsoft.com/office/powerpoint/2010/main" val="2673660507"/>
+        <p14:creationId xmlns:p14="http://schemas.microsoft.com/office/powerpoint/2010/main" val="536150662"/>
       </p:ext>
     </p:extLst>
   </p:cSld>
@@ -1905,7 +1905,7 @@
           <p:cNvPr id="2" name="标题 1">
             <a:extLst>
               <a:ext uri="{FF2B5EF4-FFF2-40B4-BE49-F238E27FC236}">
-                <a16:creationId xmlns:a16="http://schemas.microsoft.com/office/drawing/2014/main" id="{0A9BF197-FBCF-98C6-73DC-353EBEBB385D}"/>
+                <a16:creationId xmlns:a16="http://schemas.microsoft.com/office/drawing/2014/main" id="{31BFABC8-5EEC-C01D-756F-C5B35B4D1D0D}"/>
               </a:ext>
             </a:extLst>
           </p:cNvPr>
@@ -1933,7 +1933,7 @@
           <p:cNvPr id="3" name="日期占位符 2">
             <a:extLst>
               <a:ext uri="{FF2B5EF4-FFF2-40B4-BE49-F238E27FC236}">
-                <a16:creationId xmlns:a16="http://schemas.microsoft.com/office/drawing/2014/main" id="{ECD8AA48-8960-A364-5927-3E2C5B778867}"/>
+                <a16:creationId xmlns:a16="http://schemas.microsoft.com/office/drawing/2014/main" id="{6F0235EB-E9A9-4632-0324-93186D48DA2A}"/>
               </a:ext>
             </a:extLst>
           </p:cNvPr>
@@ -1949,7 +1949,7 @@
           <a:bodyPr/>
           <a:lstStyle/>
           <a:p>
-            <a:fld id="{B9A51704-A37E-4C2F-8821-55566DA99CBF}" type="datetimeFigureOut">
+            <a:fld id="{9EF824F8-1150-4F3F-8B6D-7DE42B4B6DF8}" type="datetimeFigureOut">
               <a:rPr lang="zh-CN" altLang="en-US" smtClean="0"/>
               <a:t>2024/3/10</a:t>
             </a:fld>
@@ -1962,7 +1962,7 @@
           <p:cNvPr id="4" name="页脚占位符 3">
             <a:extLst>
               <a:ext uri="{FF2B5EF4-FFF2-40B4-BE49-F238E27FC236}">
-                <a16:creationId xmlns:a16="http://schemas.microsoft.com/office/drawing/2014/main" id="{6D8BFA5B-3EA7-CB55-2435-218D96E2F3B3}"/>
+                <a16:creationId xmlns:a16="http://schemas.microsoft.com/office/drawing/2014/main" id="{20C081E2-8BF7-9DCB-E862-F01E4015AC6E}"/>
               </a:ext>
             </a:extLst>
           </p:cNvPr>
@@ -1987,7 +1987,7 @@
           <p:cNvPr id="5" name="灯片编号占位符 4">
             <a:extLst>
               <a:ext uri="{FF2B5EF4-FFF2-40B4-BE49-F238E27FC236}">
-                <a16:creationId xmlns:a16="http://schemas.microsoft.com/office/drawing/2014/main" id="{583759B7-7574-E8BE-E5FB-3E386C68833E}"/>
+                <a16:creationId xmlns:a16="http://schemas.microsoft.com/office/drawing/2014/main" id="{D9834530-F820-EAE2-7873-92E58674FBD0}"/>
               </a:ext>
             </a:extLst>
           </p:cNvPr>
@@ -2003,7 +2003,7 @@
           <a:bodyPr/>
           <a:lstStyle/>
           <a:p>
-            <a:fld id="{C38E8C72-5E55-4EF8-B057-DBEA1C92CDF5}" type="slidenum">
+            <a:fld id="{7682CB68-7A5E-4886-8235-7AE504C166EF}" type="slidenum">
               <a:rPr lang="zh-CN" altLang="en-US" smtClean="0"/>
               <a:t>‹#›</a:t>
             </a:fld>
@@ -2014,7 +2014,7 @@
     </p:spTree>
     <p:extLst>
       <p:ext uri="{BB962C8B-B14F-4D97-AF65-F5344CB8AC3E}">
-        <p14:creationId xmlns:p14="http://schemas.microsoft.com/office/powerpoint/2010/main" val="3240000954"/>
+        <p14:creationId xmlns:p14="http://schemas.microsoft.com/office/powerpoint/2010/main" val="3084412001"/>
       </p:ext>
     </p:extLst>
   </p:cSld>
@@ -2046,7 +2046,7 @@
           <p:cNvPr id="2" name="日期占位符 1">
             <a:extLst>
               <a:ext uri="{FF2B5EF4-FFF2-40B4-BE49-F238E27FC236}">
-                <a16:creationId xmlns:a16="http://schemas.microsoft.com/office/drawing/2014/main" id="{8222E9B0-DDCF-74C7-F8E5-2AF5F405BB66}"/>
+                <a16:creationId xmlns:a16="http://schemas.microsoft.com/office/drawing/2014/main" id="{C577F01B-87FC-11CD-EC25-DF810874B709}"/>
               </a:ext>
             </a:extLst>
           </p:cNvPr>
@@ -2062,7 +2062,7 @@
           <a:bodyPr/>
           <a:lstStyle/>
           <a:p>
-            <a:fld id="{B9A51704-A37E-4C2F-8821-55566DA99CBF}" type="datetimeFigureOut">
+            <a:fld id="{9EF824F8-1150-4F3F-8B6D-7DE42B4B6DF8}" type="datetimeFigureOut">
               <a:rPr lang="zh-CN" altLang="en-US" smtClean="0"/>
               <a:t>2024/3/10</a:t>
             </a:fld>
@@ -2075,7 +2075,7 @@
           <p:cNvPr id="3" name="页脚占位符 2">
             <a:extLst>
               <a:ext uri="{FF2B5EF4-FFF2-40B4-BE49-F238E27FC236}">
-                <a16:creationId xmlns:a16="http://schemas.microsoft.com/office/drawing/2014/main" id="{7D7C1E72-60B8-D9CB-CF5F-2270A6F8891B}"/>
+                <a16:creationId xmlns:a16="http://schemas.microsoft.com/office/drawing/2014/main" id="{78101AEC-74C6-7A8B-D3DC-EB56AA45EFD6}"/>
               </a:ext>
             </a:extLst>
           </p:cNvPr>
@@ -2100,7 +2100,7 @@
           <p:cNvPr id="4" name="灯片编号占位符 3">
             <a:extLst>
               <a:ext uri="{FF2B5EF4-FFF2-40B4-BE49-F238E27FC236}">
-                <a16:creationId xmlns:a16="http://schemas.microsoft.com/office/drawing/2014/main" id="{4F1BD381-ACBE-FEC3-7B19-5FB4E65A10CA}"/>
+                <a16:creationId xmlns:a16="http://schemas.microsoft.com/office/drawing/2014/main" id="{F837609B-05A0-E162-3214-1D1B6AB72357}"/>
               </a:ext>
             </a:extLst>
           </p:cNvPr>
@@ -2116,7 +2116,7 @@
           <a:bodyPr/>
           <a:lstStyle/>
           <a:p>
-            <a:fld id="{C38E8C72-5E55-4EF8-B057-DBEA1C92CDF5}" type="slidenum">
+            <a:fld id="{7682CB68-7A5E-4886-8235-7AE504C166EF}" type="slidenum">
               <a:rPr lang="zh-CN" altLang="en-US" smtClean="0"/>
               <a:t>‹#›</a:t>
             </a:fld>
@@ -2127,7 +2127,7 @@
     </p:spTree>
     <p:extLst>
       <p:ext uri="{BB962C8B-B14F-4D97-AF65-F5344CB8AC3E}">
-        <p14:creationId xmlns:p14="http://schemas.microsoft.com/office/powerpoint/2010/main" val="1173906501"/>
+        <p14:creationId xmlns:p14="http://schemas.microsoft.com/office/powerpoint/2010/main" val="2182374937"/>
       </p:ext>
     </p:extLst>
   </p:cSld>
@@ -2159,7 +2159,7 @@
           <p:cNvPr id="2" name="标题 1">
             <a:extLst>
               <a:ext uri="{FF2B5EF4-FFF2-40B4-BE49-F238E27FC236}">
-                <a16:creationId xmlns:a16="http://schemas.microsoft.com/office/drawing/2014/main" id="{23EB1468-DEE1-B30F-DA24-E5A9193364DA}"/>
+                <a16:creationId xmlns:a16="http://schemas.microsoft.com/office/drawing/2014/main" id="{5469DE26-3CD8-E006-C55C-6948B4D17179}"/>
               </a:ext>
             </a:extLst>
           </p:cNvPr>
@@ -2196,7 +2196,7 @@
           <p:cNvPr id="3" name="内容占位符 2">
             <a:extLst>
               <a:ext uri="{FF2B5EF4-FFF2-40B4-BE49-F238E27FC236}">
-                <a16:creationId xmlns:a16="http://schemas.microsoft.com/office/drawing/2014/main" id="{41642963-B965-09AD-7EA2-515015547BB4}"/>
+                <a16:creationId xmlns:a16="http://schemas.microsoft.com/office/drawing/2014/main" id="{54918114-2399-D7EB-A413-AC827FF3F6FE}"/>
               </a:ext>
             </a:extLst>
           </p:cNvPr>
@@ -2286,7 +2286,7 @@
           <p:cNvPr id="4" name="文本占位符 3">
             <a:extLst>
               <a:ext uri="{FF2B5EF4-FFF2-40B4-BE49-F238E27FC236}">
-                <a16:creationId xmlns:a16="http://schemas.microsoft.com/office/drawing/2014/main" id="{E975D109-FD50-FE41-6FDB-152C3DFB8D56}"/>
+                <a16:creationId xmlns:a16="http://schemas.microsoft.com/office/drawing/2014/main" id="{871FAB19-58B0-1F42-11AF-89B67619ABBD}"/>
               </a:ext>
             </a:extLst>
           </p:cNvPr>
@@ -2357,7 +2357,7 @@
           <p:cNvPr id="5" name="日期占位符 4">
             <a:extLst>
               <a:ext uri="{FF2B5EF4-FFF2-40B4-BE49-F238E27FC236}">
-                <a16:creationId xmlns:a16="http://schemas.microsoft.com/office/drawing/2014/main" id="{CB115DEC-2660-5949-A126-DA180298B7AA}"/>
+                <a16:creationId xmlns:a16="http://schemas.microsoft.com/office/drawing/2014/main" id="{6138022D-91A9-1D89-CB7D-335DF4A1AF29}"/>
               </a:ext>
             </a:extLst>
           </p:cNvPr>
@@ -2373,7 +2373,7 @@
           <a:bodyPr/>
           <a:lstStyle/>
           <a:p>
-            <a:fld id="{B9A51704-A37E-4C2F-8821-55566DA99CBF}" type="datetimeFigureOut">
+            <a:fld id="{9EF824F8-1150-4F3F-8B6D-7DE42B4B6DF8}" type="datetimeFigureOut">
               <a:rPr lang="zh-CN" altLang="en-US" smtClean="0"/>
               <a:t>2024/3/10</a:t>
             </a:fld>
@@ -2386,7 +2386,7 @@
           <p:cNvPr id="6" name="页脚占位符 5">
             <a:extLst>
               <a:ext uri="{FF2B5EF4-FFF2-40B4-BE49-F238E27FC236}">
-                <a16:creationId xmlns:a16="http://schemas.microsoft.com/office/drawing/2014/main" id="{979690DC-F465-E115-79F6-07186361F087}"/>
+                <a16:creationId xmlns:a16="http://schemas.microsoft.com/office/drawing/2014/main" id="{08E6280B-04CB-398B-0360-B26F1A3CFE04}"/>
               </a:ext>
             </a:extLst>
           </p:cNvPr>
@@ -2411,7 +2411,7 @@
           <p:cNvPr id="7" name="灯片编号占位符 6">
             <a:extLst>
               <a:ext uri="{FF2B5EF4-FFF2-40B4-BE49-F238E27FC236}">
-                <a16:creationId xmlns:a16="http://schemas.microsoft.com/office/drawing/2014/main" id="{5878E0E6-6081-15A6-F1CC-17048793BF84}"/>
+                <a16:creationId xmlns:a16="http://schemas.microsoft.com/office/drawing/2014/main" id="{5B8A5C1E-3EE2-2F8E-6CA8-FCF4A2E301A0}"/>
               </a:ext>
             </a:extLst>
           </p:cNvPr>
@@ -2427,7 +2427,7 @@
           <a:bodyPr/>
           <a:lstStyle/>
           <a:p>
-            <a:fld id="{C38E8C72-5E55-4EF8-B057-DBEA1C92CDF5}" type="slidenum">
+            <a:fld id="{7682CB68-7A5E-4886-8235-7AE504C166EF}" type="slidenum">
               <a:rPr lang="zh-CN" altLang="en-US" smtClean="0"/>
               <a:t>‹#›</a:t>
             </a:fld>
@@ -2438,7 +2438,7 @@
     </p:spTree>
     <p:extLst>
       <p:ext uri="{BB962C8B-B14F-4D97-AF65-F5344CB8AC3E}">
-        <p14:creationId xmlns:p14="http://schemas.microsoft.com/office/powerpoint/2010/main" val="688072827"/>
+        <p14:creationId xmlns:p14="http://schemas.microsoft.com/office/powerpoint/2010/main" val="903390334"/>
       </p:ext>
     </p:extLst>
   </p:cSld>
@@ -2470,7 +2470,7 @@
           <p:cNvPr id="2" name="标题 1">
             <a:extLst>
               <a:ext uri="{FF2B5EF4-FFF2-40B4-BE49-F238E27FC236}">
-                <a16:creationId xmlns:a16="http://schemas.microsoft.com/office/drawing/2014/main" id="{E4FFBFB6-D17B-2982-3EC4-41D0756D4A2E}"/>
+                <a16:creationId xmlns:a16="http://schemas.microsoft.com/office/drawing/2014/main" id="{99F447A1-1F21-F343-D8F4-3C02E3CA6E1F}"/>
               </a:ext>
             </a:extLst>
           </p:cNvPr>
@@ -2507,7 +2507,7 @@
           <p:cNvPr id="3" name="图片占位符 2">
             <a:extLst>
               <a:ext uri="{FF2B5EF4-FFF2-40B4-BE49-F238E27FC236}">
-                <a16:creationId xmlns:a16="http://schemas.microsoft.com/office/drawing/2014/main" id="{346F9286-5C7F-F0F6-6D95-4E3B3363AAC6}"/>
+                <a16:creationId xmlns:a16="http://schemas.microsoft.com/office/drawing/2014/main" id="{A21CA6BF-29D7-1D1D-AEDE-D6DE70FCBB89}"/>
               </a:ext>
             </a:extLst>
           </p:cNvPr>
@@ -2574,7 +2574,7 @@
           <p:cNvPr id="4" name="文本占位符 3">
             <a:extLst>
               <a:ext uri="{FF2B5EF4-FFF2-40B4-BE49-F238E27FC236}">
-                <a16:creationId xmlns:a16="http://schemas.microsoft.com/office/drawing/2014/main" id="{B3891CF9-A86B-AD7C-F312-1B09EDE1F154}"/>
+                <a16:creationId xmlns:a16="http://schemas.microsoft.com/office/drawing/2014/main" id="{2AC8CCCC-6708-6D39-3278-41406A0EA6CE}"/>
               </a:ext>
             </a:extLst>
           </p:cNvPr>
@@ -2645,7 +2645,7 @@
           <p:cNvPr id="5" name="日期占位符 4">
             <a:extLst>
               <a:ext uri="{FF2B5EF4-FFF2-40B4-BE49-F238E27FC236}">
-                <a16:creationId xmlns:a16="http://schemas.microsoft.com/office/drawing/2014/main" id="{6CCB9D98-F62B-947D-7554-4940B2780351}"/>
+                <a16:creationId xmlns:a16="http://schemas.microsoft.com/office/drawing/2014/main" id="{56EB8AE7-DFB8-36E9-7EEC-21592ACEAB0F}"/>
               </a:ext>
             </a:extLst>
           </p:cNvPr>
@@ -2661,7 +2661,7 @@
           <a:bodyPr/>
           <a:lstStyle/>
           <a:p>
-            <a:fld id="{B9A51704-A37E-4C2F-8821-55566DA99CBF}" type="datetimeFigureOut">
+            <a:fld id="{9EF824F8-1150-4F3F-8B6D-7DE42B4B6DF8}" type="datetimeFigureOut">
               <a:rPr lang="zh-CN" altLang="en-US" smtClean="0"/>
               <a:t>2024/3/10</a:t>
             </a:fld>
@@ -2674,7 +2674,7 @@
           <p:cNvPr id="6" name="页脚占位符 5">
             <a:extLst>
               <a:ext uri="{FF2B5EF4-FFF2-40B4-BE49-F238E27FC236}">
-                <a16:creationId xmlns:a16="http://schemas.microsoft.com/office/drawing/2014/main" id="{2CB96F5A-EDEB-9926-3807-A473BE1EA92B}"/>
+                <a16:creationId xmlns:a16="http://schemas.microsoft.com/office/drawing/2014/main" id="{E1B42177-04C7-F0B6-A3CF-923459AA0972}"/>
               </a:ext>
             </a:extLst>
           </p:cNvPr>
@@ -2699,7 +2699,7 @@
           <p:cNvPr id="7" name="灯片编号占位符 6">
             <a:extLst>
               <a:ext uri="{FF2B5EF4-FFF2-40B4-BE49-F238E27FC236}">
-                <a16:creationId xmlns:a16="http://schemas.microsoft.com/office/drawing/2014/main" id="{159529EA-FCA6-110F-14FC-1B2B13361945}"/>
+                <a16:creationId xmlns:a16="http://schemas.microsoft.com/office/drawing/2014/main" id="{054EB078-1249-08A0-3985-A1B617A0358F}"/>
               </a:ext>
             </a:extLst>
           </p:cNvPr>
@@ -2715,7 +2715,7 @@
           <a:bodyPr/>
           <a:lstStyle/>
           <a:p>
-            <a:fld id="{C38E8C72-5E55-4EF8-B057-DBEA1C92CDF5}" type="slidenum">
+            <a:fld id="{7682CB68-7A5E-4886-8235-7AE504C166EF}" type="slidenum">
               <a:rPr lang="zh-CN" altLang="en-US" smtClean="0"/>
               <a:t>‹#›</a:t>
             </a:fld>
@@ -2726,7 +2726,7 @@
     </p:spTree>
     <p:extLst>
       <p:ext uri="{BB962C8B-B14F-4D97-AF65-F5344CB8AC3E}">
-        <p14:creationId xmlns:p14="http://schemas.microsoft.com/office/powerpoint/2010/main" val="3619457701"/>
+        <p14:creationId xmlns:p14="http://schemas.microsoft.com/office/powerpoint/2010/main" val="2726472001"/>
       </p:ext>
     </p:extLst>
   </p:cSld>
@@ -2763,7 +2763,7 @@
           <p:cNvPr id="2" name="标题占位符 1">
             <a:extLst>
               <a:ext uri="{FF2B5EF4-FFF2-40B4-BE49-F238E27FC236}">
-                <a16:creationId xmlns:a16="http://schemas.microsoft.com/office/drawing/2014/main" id="{63CB7FE9-3A97-0F35-75AA-10F7FBA565B5}"/>
+                <a16:creationId xmlns:a16="http://schemas.microsoft.com/office/drawing/2014/main" id="{5DAD9A22-C246-32BB-FA8A-6B2A169FA6AB}"/>
               </a:ext>
             </a:extLst>
           </p:cNvPr>
@@ -2801,7 +2801,7 @@
           <p:cNvPr id="3" name="文本占位符 2">
             <a:extLst>
               <a:ext uri="{FF2B5EF4-FFF2-40B4-BE49-F238E27FC236}">
-                <a16:creationId xmlns:a16="http://schemas.microsoft.com/office/drawing/2014/main" id="{1EC25EAF-3634-BB73-CCA0-B25BBBE4EA44}"/>
+                <a16:creationId xmlns:a16="http://schemas.microsoft.com/office/drawing/2014/main" id="{EA232074-6BA2-EE3E-E91E-976BC6468BEA}"/>
               </a:ext>
             </a:extLst>
           </p:cNvPr>
@@ -2868,7 +2868,7 @@
           <p:cNvPr id="4" name="日期占位符 3">
             <a:extLst>
               <a:ext uri="{FF2B5EF4-FFF2-40B4-BE49-F238E27FC236}">
-                <a16:creationId xmlns:a16="http://schemas.microsoft.com/office/drawing/2014/main" id="{13C2E91E-91DF-E05C-4D32-95E43F90B61B}"/>
+                <a16:creationId xmlns:a16="http://schemas.microsoft.com/office/drawing/2014/main" id="{68B1963F-D17B-7977-B0D8-1ECCCCEB1502}"/>
               </a:ext>
             </a:extLst>
           </p:cNvPr>
@@ -2902,7 +2902,7 @@
             </a:lvl1pPr>
           </a:lstStyle>
           <a:p>
-            <a:fld id="{B9A51704-A37E-4C2F-8821-55566DA99CBF}" type="datetimeFigureOut">
+            <a:fld id="{9EF824F8-1150-4F3F-8B6D-7DE42B4B6DF8}" type="datetimeFigureOut">
               <a:rPr lang="zh-CN" altLang="en-US" smtClean="0"/>
               <a:t>2024/3/10</a:t>
             </a:fld>
@@ -2915,7 +2915,7 @@
           <p:cNvPr id="5" name="页脚占位符 4">
             <a:extLst>
               <a:ext uri="{FF2B5EF4-FFF2-40B4-BE49-F238E27FC236}">
-                <a16:creationId xmlns:a16="http://schemas.microsoft.com/office/drawing/2014/main" id="{164FFF84-FE4A-F0AD-0127-CCD1647A56B0}"/>
+                <a16:creationId xmlns:a16="http://schemas.microsoft.com/office/drawing/2014/main" id="{6184F4AA-5FCF-785F-FE09-021822751A26}"/>
               </a:ext>
             </a:extLst>
           </p:cNvPr>
@@ -2958,7 +2958,7 @@
           <p:cNvPr id="6" name="灯片编号占位符 5">
             <a:extLst>
               <a:ext uri="{FF2B5EF4-FFF2-40B4-BE49-F238E27FC236}">
-                <a16:creationId xmlns:a16="http://schemas.microsoft.com/office/drawing/2014/main" id="{E3EC78E8-E53F-D4C7-8ED1-C4C9AE7E1E70}"/>
+                <a16:creationId xmlns:a16="http://schemas.microsoft.com/office/drawing/2014/main" id="{6294494F-407D-E811-C501-07282D593052}"/>
               </a:ext>
             </a:extLst>
           </p:cNvPr>
@@ -2992,7 +2992,7 @@
             </a:lvl1pPr>
           </a:lstStyle>
           <a:p>
-            <a:fld id="{C38E8C72-5E55-4EF8-B057-DBEA1C92CDF5}" type="slidenum">
+            <a:fld id="{7682CB68-7A5E-4886-8235-7AE504C166EF}" type="slidenum">
               <a:rPr lang="zh-CN" altLang="en-US" smtClean="0"/>
               <a:t>‹#›</a:t>
             </a:fld>
@@ -3003,7 +3003,7 @@
     </p:spTree>
     <p:extLst>
       <p:ext uri="{BB962C8B-B14F-4D97-AF65-F5344CB8AC3E}">
-        <p14:creationId xmlns:p14="http://schemas.microsoft.com/office/powerpoint/2010/main" val="1028176877"/>
+        <p14:creationId xmlns:p14="http://schemas.microsoft.com/office/powerpoint/2010/main" val="4283539729"/>
       </p:ext>
     </p:extLst>
   </p:cSld>
